--- a/Prezentări/Recunoașterea florilor_final.pptx
+++ b/Prezentări/Recunoașterea florilor_final.pptx
@@ -14861,8 +14861,16 @@
               <a:t>Pentru documentare, am consultat articole științifice, forumuri, tutoriale și aplicații deja existente. Am decis să folosim un model pre-antrenat pe recunoașterea obiectelor </a:t>
             </a:r>
             <a:r>
+              <a:rPr lang="en-US" sz="2000" u="sng" dirty="0" err="1"/>
+              <a:t>resnet</a:t>
+            </a:r>
+            <a:r>
               <a:rPr lang="ro-RO" sz="2000" u="sng" dirty="0"/>
-              <a:t>inception_v3 </a:t>
+              <a:t>_</a:t>
+            </a:r>
+            <a:r>
+              <a:rPr lang="en-US" sz="2000" u="sng" dirty="0"/>
+              <a:t>50 </a:t>
             </a:r>
             <a:r>
               <a:rPr lang="ro-RO" sz="2000" dirty="0"/>
@@ -16315,6 +16323,15 @@
 </file>
 
 <file path=customXml/item1.xml><?xml version="1.0" encoding="utf-8"?>
+<?mso-contentType ?>
+<FormTemplates xmlns="http://schemas.microsoft.com/sharepoint/v3/contenttype/forms">
+  <Display>DocumentLibraryForm</Display>
+  <Edit>DocumentLibraryForm</Edit>
+  <New>DocumentLibraryForm</New>
+</FormTemplates>
+</file>
+
+<file path=customXml/item2.xml><?xml version="1.0" encoding="utf-8"?>
 <p:properties xmlns:p="http://schemas.microsoft.com/office/2006/metadata/properties" xmlns:xsi="http://www.w3.org/2001/XMLSchema-instance" xmlns:pc="http://schemas.microsoft.com/office/infopath/2007/PartnerControls">
   <documentManagement>
     <_ip_UnifiedCompliancePolicyUIAction xmlns="http://schemas.microsoft.com/sharepoint/v3" xsi:nil="true"/>
@@ -16332,15 +16349,6 @@
     <MediaServiceKeyPoints xmlns="71af3243-3dd4-4a8d-8c0d-dd76da1f02a5" xsi:nil="true"/>
   </documentManagement>
 </p:properties>
-</file>
-
-<file path=customXml/item2.xml><?xml version="1.0" encoding="utf-8"?>
-<?mso-contentType ?>
-<FormTemplates xmlns="http://schemas.microsoft.com/sharepoint/v3/contenttype/forms">
-  <Display>DocumentLibraryForm</Display>
-  <Edit>DocumentLibraryForm</Edit>
-  <New>DocumentLibraryForm</New>
-</FormTemplates>
 </file>
 
 <file path=customXml/item3.xml><?xml version="1.0" encoding="utf-8"?>
@@ -16632,6 +16640,14 @@
 </file>
 
 <file path=customXml/itemProps1.xml><?xml version="1.0" encoding="utf-8"?>
+<ds:datastoreItem xmlns:ds="http://schemas.openxmlformats.org/officeDocument/2006/customXml" ds:itemID="{9ACE2AAA-C718-435C-B4E6-95A08ACAC441}">
+  <ds:schemaRefs>
+    <ds:schemaRef ds:uri="http://schemas.microsoft.com/sharepoint/v3/contenttype/forms"/>
+  </ds:schemaRefs>
+</ds:datastoreItem>
+</file>
+
+<file path=customXml/itemProps2.xml><?xml version="1.0" encoding="utf-8"?>
 <ds:datastoreItem xmlns:ds="http://schemas.openxmlformats.org/officeDocument/2006/customXml" ds:itemID="{8FBB2F3B-6257-41BB-8B64-5AC7494F274B}">
   <ds:schemaRefs>
     <ds:schemaRef ds:uri="http://schemas.microsoft.com/office/2006/metadata/properties"/>
@@ -16639,14 +16655,6 @@
     <ds:schemaRef ds:uri="http://schemas.microsoft.com/sharepoint/v3"/>
     <ds:schemaRef ds:uri="71af3243-3dd4-4a8d-8c0d-dd76da1f02a5"/>
     <ds:schemaRef ds:uri="230e9df3-be65-4c73-a93b-d1236ebd677e"/>
-  </ds:schemaRefs>
-</ds:datastoreItem>
-</file>
-
-<file path=customXml/itemProps2.xml><?xml version="1.0" encoding="utf-8"?>
-<ds:datastoreItem xmlns:ds="http://schemas.openxmlformats.org/officeDocument/2006/customXml" ds:itemID="{9ACE2AAA-C718-435C-B4E6-95A08ACAC441}">
-  <ds:schemaRefs>
-    <ds:schemaRef ds:uri="http://schemas.microsoft.com/sharepoint/v3/contenttype/forms"/>
   </ds:schemaRefs>
 </ds:datastoreItem>
 </file>
